--- a/Berkeley/template_Berkeley.pptx
+++ b/Berkeley/template_Berkeley.pptx
@@ -197,7 +197,7 @@
           <a:p>
             <a:fld id="{3303E88C-5052-EB47-BBCD-87ED51A84B6C}" type="datetimeFigureOut">
               <a:rPr lang="en-DE" smtClean="0"/>
-              <a:t>03.04.24</a:t>
+              <a:t>2/19/25</a:t>
             </a:fld>
             <a:endParaRPr lang="en-DE"/>
           </a:p>
@@ -1018,6 +1018,53 @@
           </a:p>
         </p:txBody>
       </p:sp>
+      <p:pic>
+        <p:nvPicPr>
+          <p:cNvPr id="7" name="Picture 2" descr="Logo Cosmic Interacting Matters">
+            <a:extLst>
+              <a:ext uri="{FF2B5EF4-FFF2-40B4-BE49-F238E27FC236}">
+                <a16:creationId xmlns:a16="http://schemas.microsoft.com/office/drawing/2014/main" id="{33CD67DB-857B-73E8-F16D-7CC66B0A5DD5}"/>
+              </a:ext>
+            </a:extLst>
+          </p:cNvPr>
+          <p:cNvPicPr>
+            <a:picLocks noChangeAspect="1" noChangeArrowheads="1"/>
+          </p:cNvPicPr>
+          <p:nvPr userDrawn="1"/>
+        </p:nvPicPr>
+        <p:blipFill>
+          <a:blip r:embed="rId2">
+            <a:extLst>
+              <a:ext uri="{28A0092B-C50C-407E-A947-70E740481C1C}">
+                <a14:useLocalDpi xmlns:a14="http://schemas.microsoft.com/office/drawing/2010/main" val="0"/>
+              </a:ext>
+            </a:extLst>
+          </a:blip>
+          <a:srcRect/>
+          <a:stretch>
+            <a:fillRect/>
+          </a:stretch>
+        </p:blipFill>
+        <p:spPr bwMode="auto">
+          <a:xfrm>
+            <a:off x="10144761" y="116205"/>
+            <a:ext cx="507274" cy="310431"/>
+          </a:xfrm>
+          <a:prstGeom prst="rect">
+            <a:avLst/>
+          </a:prstGeom>
+          <a:noFill/>
+          <a:extLst>
+            <a:ext uri="{909E8E84-426E-40DD-AFC4-6F175D3DCCD1}">
+              <a14:hiddenFill xmlns:a14="http://schemas.microsoft.com/office/drawing/2010/main">
+                <a:solidFill>
+                  <a:srgbClr val="FFFFFF"/>
+                </a:solidFill>
+              </a14:hiddenFill>
+            </a:ext>
+          </a:extLst>
+        </p:spPr>
+      </p:pic>
     </p:spTree>
     <p:extLst>
       <p:ext uri="{BB962C8B-B14F-4D97-AF65-F5344CB8AC3E}">
@@ -1228,6 +1275,53 @@
           </a:p>
         </p:txBody>
       </p:sp>
+      <p:pic>
+        <p:nvPicPr>
+          <p:cNvPr id="7" name="Picture 2" descr="Logo Cosmic Interacting Matters">
+            <a:extLst>
+              <a:ext uri="{FF2B5EF4-FFF2-40B4-BE49-F238E27FC236}">
+                <a16:creationId xmlns:a16="http://schemas.microsoft.com/office/drawing/2014/main" id="{519B4D7F-C743-3C1D-AA6B-2ED48EE9CABF}"/>
+              </a:ext>
+            </a:extLst>
+          </p:cNvPr>
+          <p:cNvPicPr>
+            <a:picLocks noChangeAspect="1" noChangeArrowheads="1"/>
+          </p:cNvPicPr>
+          <p:nvPr userDrawn="1"/>
+        </p:nvPicPr>
+        <p:blipFill>
+          <a:blip r:embed="rId2">
+            <a:extLst>
+              <a:ext uri="{28A0092B-C50C-407E-A947-70E740481C1C}">
+                <a14:useLocalDpi xmlns:a14="http://schemas.microsoft.com/office/drawing/2010/main" val="0"/>
+              </a:ext>
+            </a:extLst>
+          </a:blip>
+          <a:srcRect/>
+          <a:stretch>
+            <a:fillRect/>
+          </a:stretch>
+        </p:blipFill>
+        <p:spPr bwMode="auto">
+          <a:xfrm>
+            <a:off x="10144761" y="116205"/>
+            <a:ext cx="507274" cy="310431"/>
+          </a:xfrm>
+          <a:prstGeom prst="rect">
+            <a:avLst/>
+          </a:prstGeom>
+          <a:noFill/>
+          <a:extLst>
+            <a:ext uri="{909E8E84-426E-40DD-AFC4-6F175D3DCCD1}">
+              <a14:hiddenFill xmlns:a14="http://schemas.microsoft.com/office/drawing/2010/main">
+                <a:solidFill>
+                  <a:srgbClr val="FFFFFF"/>
+                </a:solidFill>
+              </a14:hiddenFill>
+            </a:ext>
+          </a:extLst>
+        </p:spPr>
+      </p:pic>
     </p:spTree>
     <p:extLst>
       <p:ext uri="{BB962C8B-B14F-4D97-AF65-F5344CB8AC3E}">
@@ -1428,6 +1522,53 @@
           </a:p>
         </p:txBody>
       </p:sp>
+      <p:pic>
+        <p:nvPicPr>
+          <p:cNvPr id="7" name="Picture 2" descr="Logo Cosmic Interacting Matters">
+            <a:extLst>
+              <a:ext uri="{FF2B5EF4-FFF2-40B4-BE49-F238E27FC236}">
+                <a16:creationId xmlns:a16="http://schemas.microsoft.com/office/drawing/2014/main" id="{9D11F517-7F35-DAF6-372D-1705C36CF4F7}"/>
+              </a:ext>
+            </a:extLst>
+          </p:cNvPr>
+          <p:cNvPicPr>
+            <a:picLocks noChangeAspect="1" noChangeArrowheads="1"/>
+          </p:cNvPicPr>
+          <p:nvPr userDrawn="1"/>
+        </p:nvPicPr>
+        <p:blipFill>
+          <a:blip r:embed="rId2">
+            <a:extLst>
+              <a:ext uri="{28A0092B-C50C-407E-A947-70E740481C1C}">
+                <a14:useLocalDpi xmlns:a14="http://schemas.microsoft.com/office/drawing/2010/main" val="0"/>
+              </a:ext>
+            </a:extLst>
+          </a:blip>
+          <a:srcRect/>
+          <a:stretch>
+            <a:fillRect/>
+          </a:stretch>
+        </p:blipFill>
+        <p:spPr bwMode="auto">
+          <a:xfrm>
+            <a:off x="10144761" y="116205"/>
+            <a:ext cx="507274" cy="310431"/>
+          </a:xfrm>
+          <a:prstGeom prst="rect">
+            <a:avLst/>
+          </a:prstGeom>
+          <a:noFill/>
+          <a:extLst>
+            <a:ext uri="{909E8E84-426E-40DD-AFC4-6F175D3DCCD1}">
+              <a14:hiddenFill xmlns:a14="http://schemas.microsoft.com/office/drawing/2010/main">
+                <a:solidFill>
+                  <a:srgbClr val="FFFFFF"/>
+                </a:solidFill>
+              </a14:hiddenFill>
+            </a:ext>
+          </a:extLst>
+        </p:spPr>
+      </p:pic>
     </p:spTree>
     <p:extLst>
       <p:ext uri="{BB962C8B-B14F-4D97-AF65-F5344CB8AC3E}">
@@ -1704,6 +1845,53 @@
           </a:p>
         </p:txBody>
       </p:sp>
+      <p:pic>
+        <p:nvPicPr>
+          <p:cNvPr id="7" name="Picture 2" descr="Logo Cosmic Interacting Matters">
+            <a:extLst>
+              <a:ext uri="{FF2B5EF4-FFF2-40B4-BE49-F238E27FC236}">
+                <a16:creationId xmlns:a16="http://schemas.microsoft.com/office/drawing/2014/main" id="{F9CAB446-221A-D67F-8903-BDD404F8E13A}"/>
+              </a:ext>
+            </a:extLst>
+          </p:cNvPr>
+          <p:cNvPicPr>
+            <a:picLocks noChangeAspect="1" noChangeArrowheads="1"/>
+          </p:cNvPicPr>
+          <p:nvPr userDrawn="1"/>
+        </p:nvPicPr>
+        <p:blipFill>
+          <a:blip r:embed="rId2">
+            <a:extLst>
+              <a:ext uri="{28A0092B-C50C-407E-A947-70E740481C1C}">
+                <a14:useLocalDpi xmlns:a14="http://schemas.microsoft.com/office/drawing/2010/main" val="0"/>
+              </a:ext>
+            </a:extLst>
+          </a:blip>
+          <a:srcRect/>
+          <a:stretch>
+            <a:fillRect/>
+          </a:stretch>
+        </p:blipFill>
+        <p:spPr bwMode="auto">
+          <a:xfrm>
+            <a:off x="10144761" y="116205"/>
+            <a:ext cx="507274" cy="310431"/>
+          </a:xfrm>
+          <a:prstGeom prst="rect">
+            <a:avLst/>
+          </a:prstGeom>
+          <a:noFill/>
+          <a:extLst>
+            <a:ext uri="{909E8E84-426E-40DD-AFC4-6F175D3DCCD1}">
+              <a14:hiddenFill xmlns:a14="http://schemas.microsoft.com/office/drawing/2010/main">
+                <a:solidFill>
+                  <a:srgbClr val="FFFFFF"/>
+                </a:solidFill>
+              </a14:hiddenFill>
+            </a:ext>
+          </a:extLst>
+        </p:spPr>
+      </p:pic>
     </p:spTree>
     <p:extLst>
       <p:ext uri="{BB962C8B-B14F-4D97-AF65-F5344CB8AC3E}">
@@ -1972,6 +2160,53 @@
           </a:p>
         </p:txBody>
       </p:sp>
+      <p:pic>
+        <p:nvPicPr>
+          <p:cNvPr id="8" name="Picture 2" descr="Logo Cosmic Interacting Matters">
+            <a:extLst>
+              <a:ext uri="{FF2B5EF4-FFF2-40B4-BE49-F238E27FC236}">
+                <a16:creationId xmlns:a16="http://schemas.microsoft.com/office/drawing/2014/main" id="{C2CB87B3-C0DA-FF60-7FB8-2045C2D3DABC}"/>
+              </a:ext>
+            </a:extLst>
+          </p:cNvPr>
+          <p:cNvPicPr>
+            <a:picLocks noChangeAspect="1" noChangeArrowheads="1"/>
+          </p:cNvPicPr>
+          <p:nvPr userDrawn="1"/>
+        </p:nvPicPr>
+        <p:blipFill>
+          <a:blip r:embed="rId2">
+            <a:extLst>
+              <a:ext uri="{28A0092B-C50C-407E-A947-70E740481C1C}">
+                <a14:useLocalDpi xmlns:a14="http://schemas.microsoft.com/office/drawing/2010/main" val="0"/>
+              </a:ext>
+            </a:extLst>
+          </a:blip>
+          <a:srcRect/>
+          <a:stretch>
+            <a:fillRect/>
+          </a:stretch>
+        </p:blipFill>
+        <p:spPr bwMode="auto">
+          <a:xfrm>
+            <a:off x="10144761" y="116205"/>
+            <a:ext cx="507274" cy="310431"/>
+          </a:xfrm>
+          <a:prstGeom prst="rect">
+            <a:avLst/>
+          </a:prstGeom>
+          <a:noFill/>
+          <a:extLst>
+            <a:ext uri="{909E8E84-426E-40DD-AFC4-6F175D3DCCD1}">
+              <a14:hiddenFill xmlns:a14="http://schemas.microsoft.com/office/drawing/2010/main">
+                <a:solidFill>
+                  <a:srgbClr val="FFFFFF"/>
+                </a:solidFill>
+              </a14:hiddenFill>
+            </a:ext>
+          </a:extLst>
+        </p:spPr>
+      </p:pic>
     </p:spTree>
     <p:extLst>
       <p:ext uri="{BB962C8B-B14F-4D97-AF65-F5344CB8AC3E}">
@@ -2387,6 +2622,53 @@
           </a:p>
         </p:txBody>
       </p:sp>
+      <p:pic>
+        <p:nvPicPr>
+          <p:cNvPr id="10" name="Picture 2" descr="Logo Cosmic Interacting Matters">
+            <a:extLst>
+              <a:ext uri="{FF2B5EF4-FFF2-40B4-BE49-F238E27FC236}">
+                <a16:creationId xmlns:a16="http://schemas.microsoft.com/office/drawing/2014/main" id="{0ED62DBB-9305-092B-FFC6-F094B6B1C13A}"/>
+              </a:ext>
+            </a:extLst>
+          </p:cNvPr>
+          <p:cNvPicPr>
+            <a:picLocks noChangeAspect="1" noChangeArrowheads="1"/>
+          </p:cNvPicPr>
+          <p:nvPr userDrawn="1"/>
+        </p:nvPicPr>
+        <p:blipFill>
+          <a:blip r:embed="rId2">
+            <a:extLst>
+              <a:ext uri="{28A0092B-C50C-407E-A947-70E740481C1C}">
+                <a14:useLocalDpi xmlns:a14="http://schemas.microsoft.com/office/drawing/2010/main" val="0"/>
+              </a:ext>
+            </a:extLst>
+          </a:blip>
+          <a:srcRect/>
+          <a:stretch>
+            <a:fillRect/>
+          </a:stretch>
+        </p:blipFill>
+        <p:spPr bwMode="auto">
+          <a:xfrm>
+            <a:off x="10144761" y="116205"/>
+            <a:ext cx="507274" cy="310431"/>
+          </a:xfrm>
+          <a:prstGeom prst="rect">
+            <a:avLst/>
+          </a:prstGeom>
+          <a:noFill/>
+          <a:extLst>
+            <a:ext uri="{909E8E84-426E-40DD-AFC4-6F175D3DCCD1}">
+              <a14:hiddenFill xmlns:a14="http://schemas.microsoft.com/office/drawing/2010/main">
+                <a:solidFill>
+                  <a:srgbClr val="FFFFFF"/>
+                </a:solidFill>
+              </a14:hiddenFill>
+            </a:ext>
+          </a:extLst>
+        </p:spPr>
+      </p:pic>
     </p:spTree>
     <p:extLst>
       <p:ext uri="{BB962C8B-B14F-4D97-AF65-F5344CB8AC3E}">
@@ -2529,6 +2811,53 @@
           </a:p>
         </p:txBody>
       </p:sp>
+      <p:pic>
+        <p:nvPicPr>
+          <p:cNvPr id="6" name="Picture 2" descr="Logo Cosmic Interacting Matters">
+            <a:extLst>
+              <a:ext uri="{FF2B5EF4-FFF2-40B4-BE49-F238E27FC236}">
+                <a16:creationId xmlns:a16="http://schemas.microsoft.com/office/drawing/2014/main" id="{E0A7FD25-72C0-2918-F737-EE0D726A1307}"/>
+              </a:ext>
+            </a:extLst>
+          </p:cNvPr>
+          <p:cNvPicPr>
+            <a:picLocks noChangeAspect="1" noChangeArrowheads="1"/>
+          </p:cNvPicPr>
+          <p:nvPr userDrawn="1"/>
+        </p:nvPicPr>
+        <p:blipFill>
+          <a:blip r:embed="rId2">
+            <a:extLst>
+              <a:ext uri="{28A0092B-C50C-407E-A947-70E740481C1C}">
+                <a14:useLocalDpi xmlns:a14="http://schemas.microsoft.com/office/drawing/2010/main" val="0"/>
+              </a:ext>
+            </a:extLst>
+          </a:blip>
+          <a:srcRect/>
+          <a:stretch>
+            <a:fillRect/>
+          </a:stretch>
+        </p:blipFill>
+        <p:spPr bwMode="auto">
+          <a:xfrm>
+            <a:off x="10144761" y="116205"/>
+            <a:ext cx="507274" cy="310431"/>
+          </a:xfrm>
+          <a:prstGeom prst="rect">
+            <a:avLst/>
+          </a:prstGeom>
+          <a:noFill/>
+          <a:extLst>
+            <a:ext uri="{909E8E84-426E-40DD-AFC4-6F175D3DCCD1}">
+              <a14:hiddenFill xmlns:a14="http://schemas.microsoft.com/office/drawing/2010/main">
+                <a:solidFill>
+                  <a:srgbClr val="FFFFFF"/>
+                </a:solidFill>
+              </a14:hiddenFill>
+            </a:ext>
+          </a:extLst>
+        </p:spPr>
+      </p:pic>
     </p:spTree>
     <p:extLst>
       <p:ext uri="{BB962C8B-B14F-4D97-AF65-F5344CB8AC3E}">
@@ -2642,6 +2971,53 @@
           </a:p>
         </p:txBody>
       </p:sp>
+      <p:pic>
+        <p:nvPicPr>
+          <p:cNvPr id="5" name="Picture 2" descr="Logo Cosmic Interacting Matters">
+            <a:extLst>
+              <a:ext uri="{FF2B5EF4-FFF2-40B4-BE49-F238E27FC236}">
+                <a16:creationId xmlns:a16="http://schemas.microsoft.com/office/drawing/2014/main" id="{B33E750D-0C0B-9000-E568-BCE975147CC4}"/>
+              </a:ext>
+            </a:extLst>
+          </p:cNvPr>
+          <p:cNvPicPr>
+            <a:picLocks noChangeAspect="1" noChangeArrowheads="1"/>
+          </p:cNvPicPr>
+          <p:nvPr userDrawn="1"/>
+        </p:nvPicPr>
+        <p:blipFill>
+          <a:blip r:embed="rId2">
+            <a:extLst>
+              <a:ext uri="{28A0092B-C50C-407E-A947-70E740481C1C}">
+                <a14:useLocalDpi xmlns:a14="http://schemas.microsoft.com/office/drawing/2010/main" val="0"/>
+              </a:ext>
+            </a:extLst>
+          </a:blip>
+          <a:srcRect/>
+          <a:stretch>
+            <a:fillRect/>
+          </a:stretch>
+        </p:blipFill>
+        <p:spPr bwMode="auto">
+          <a:xfrm>
+            <a:off x="10144761" y="116205"/>
+            <a:ext cx="507274" cy="310431"/>
+          </a:xfrm>
+          <a:prstGeom prst="rect">
+            <a:avLst/>
+          </a:prstGeom>
+          <a:noFill/>
+          <a:extLst>
+            <a:ext uri="{909E8E84-426E-40DD-AFC4-6F175D3DCCD1}">
+              <a14:hiddenFill xmlns:a14="http://schemas.microsoft.com/office/drawing/2010/main">
+                <a:solidFill>
+                  <a:srgbClr val="FFFFFF"/>
+                </a:solidFill>
+              </a14:hiddenFill>
+            </a:ext>
+          </a:extLst>
+        </p:spPr>
+      </p:pic>
     </p:spTree>
     <p:extLst>
       <p:ext uri="{BB962C8B-B14F-4D97-AF65-F5344CB8AC3E}">
@@ -2955,6 +3331,53 @@
           </a:p>
         </p:txBody>
       </p:sp>
+      <p:pic>
+        <p:nvPicPr>
+          <p:cNvPr id="8" name="Picture 2" descr="Logo Cosmic Interacting Matters">
+            <a:extLst>
+              <a:ext uri="{FF2B5EF4-FFF2-40B4-BE49-F238E27FC236}">
+                <a16:creationId xmlns:a16="http://schemas.microsoft.com/office/drawing/2014/main" id="{53C689B2-DE4C-4376-98F2-8194D3FA2E38}"/>
+              </a:ext>
+            </a:extLst>
+          </p:cNvPr>
+          <p:cNvPicPr>
+            <a:picLocks noChangeAspect="1" noChangeArrowheads="1"/>
+          </p:cNvPicPr>
+          <p:nvPr userDrawn="1"/>
+        </p:nvPicPr>
+        <p:blipFill>
+          <a:blip r:embed="rId2">
+            <a:extLst>
+              <a:ext uri="{28A0092B-C50C-407E-A947-70E740481C1C}">
+                <a14:useLocalDpi xmlns:a14="http://schemas.microsoft.com/office/drawing/2010/main" val="0"/>
+              </a:ext>
+            </a:extLst>
+          </a:blip>
+          <a:srcRect/>
+          <a:stretch>
+            <a:fillRect/>
+          </a:stretch>
+        </p:blipFill>
+        <p:spPr bwMode="auto">
+          <a:xfrm>
+            <a:off x="10144761" y="116205"/>
+            <a:ext cx="507274" cy="310431"/>
+          </a:xfrm>
+          <a:prstGeom prst="rect">
+            <a:avLst/>
+          </a:prstGeom>
+          <a:noFill/>
+          <a:extLst>
+            <a:ext uri="{909E8E84-426E-40DD-AFC4-6F175D3DCCD1}">
+              <a14:hiddenFill xmlns:a14="http://schemas.microsoft.com/office/drawing/2010/main">
+                <a:solidFill>
+                  <a:srgbClr val="FFFFFF"/>
+                </a:solidFill>
+              </a14:hiddenFill>
+            </a:ext>
+          </a:extLst>
+        </p:spPr>
+      </p:pic>
     </p:spTree>
     <p:extLst>
       <p:ext uri="{BB962C8B-B14F-4D97-AF65-F5344CB8AC3E}">
@@ -3244,6 +3667,53 @@
           </a:p>
         </p:txBody>
       </p:sp>
+      <p:pic>
+        <p:nvPicPr>
+          <p:cNvPr id="8" name="Picture 2" descr="Logo Cosmic Interacting Matters">
+            <a:extLst>
+              <a:ext uri="{FF2B5EF4-FFF2-40B4-BE49-F238E27FC236}">
+                <a16:creationId xmlns:a16="http://schemas.microsoft.com/office/drawing/2014/main" id="{3389A7BD-7594-CCD9-9432-4B9D43029CBB}"/>
+              </a:ext>
+            </a:extLst>
+          </p:cNvPr>
+          <p:cNvPicPr>
+            <a:picLocks noChangeAspect="1" noChangeArrowheads="1"/>
+          </p:cNvPicPr>
+          <p:nvPr userDrawn="1"/>
+        </p:nvPicPr>
+        <p:blipFill>
+          <a:blip r:embed="rId2">
+            <a:extLst>
+              <a:ext uri="{28A0092B-C50C-407E-A947-70E740481C1C}">
+                <a14:useLocalDpi xmlns:a14="http://schemas.microsoft.com/office/drawing/2010/main" val="0"/>
+              </a:ext>
+            </a:extLst>
+          </a:blip>
+          <a:srcRect/>
+          <a:stretch>
+            <a:fillRect/>
+          </a:stretch>
+        </p:blipFill>
+        <p:spPr bwMode="auto">
+          <a:xfrm>
+            <a:off x="10144761" y="116205"/>
+            <a:ext cx="507274" cy="310431"/>
+          </a:xfrm>
+          <a:prstGeom prst="rect">
+            <a:avLst/>
+          </a:prstGeom>
+          <a:noFill/>
+          <a:extLst>
+            <a:ext uri="{909E8E84-426E-40DD-AFC4-6F175D3DCCD1}">
+              <a14:hiddenFill xmlns:a14="http://schemas.microsoft.com/office/drawing/2010/main">
+                <a:solidFill>
+                  <a:srgbClr val="FFFFFF"/>
+                </a:solidFill>
+              </a14:hiddenFill>
+            </a:ext>
+          </a:extLst>
+        </p:spPr>
+      </p:pic>
     </p:spTree>
     <p:extLst>
       <p:ext uri="{BB962C8B-B14F-4D97-AF65-F5344CB8AC3E}">
